--- a/java/sem 3/mod 2/Module 2 Class, objects and methods.pptx
+++ b/java/sem 3/mod 2/Module 2 Class, objects and methods.pptx
@@ -228,6 +228,83 @@
 <file path=ppt/changesInfos/changesInfo1.xml><?xml version="1.0" encoding="utf-8"?>
 <pc:chgInfo xmlns:a="http://schemas.openxmlformats.org/drawingml/2006/main" xmlns:r="http://schemas.openxmlformats.org/officeDocument/2006/relationships" xmlns:ac="http://schemas.microsoft.com/office/drawing/2013/main/command" xmlns:pc="http://schemas.microsoft.com/office/powerpoint/2013/main/command">
   <pc:docChgLst>
+    <pc:chgData name="Peram praveen kumar reddy" userId="ccb74b16d9ee0880" providerId="LiveId" clId="{8E9FBEDC-ECC3-4C16-934B-6FFB62C0422B}"/>
+    <pc:docChg chg="modSld">
+      <pc:chgData name="Peram praveen kumar reddy" userId="ccb74b16d9ee0880" providerId="LiveId" clId="{8E9FBEDC-ECC3-4C16-934B-6FFB62C0422B}" dt="2022-12-11T14:44:25.238" v="72" actId="20577"/>
+      <pc:docMkLst>
+        <pc:docMk/>
+      </pc:docMkLst>
+      <pc:sldChg chg="modSp mod">
+        <pc:chgData name="Peram praveen kumar reddy" userId="ccb74b16d9ee0880" providerId="LiveId" clId="{8E9FBEDC-ECC3-4C16-934B-6FFB62C0422B}" dt="2022-12-11T12:58:26.165" v="2" actId="13926"/>
+        <pc:sldMkLst>
+          <pc:docMk/>
+          <pc:sldMk cId="2653443218" sldId="269"/>
+        </pc:sldMkLst>
+        <pc:spChg chg="mod">
+          <ac:chgData name="Peram praveen kumar reddy" userId="ccb74b16d9ee0880" providerId="LiveId" clId="{8E9FBEDC-ECC3-4C16-934B-6FFB62C0422B}" dt="2022-12-11T12:58:26.165" v="2" actId="13926"/>
+          <ac:spMkLst>
+            <pc:docMk/>
+            <pc:sldMk cId="2653443218" sldId="269"/>
+            <ac:spMk id="3" creationId="{00000000-0000-0000-0000-000000000000}"/>
+          </ac:spMkLst>
+        </pc:spChg>
+      </pc:sldChg>
+      <pc:sldChg chg="modSp mod">
+        <pc:chgData name="Peram praveen kumar reddy" userId="ccb74b16d9ee0880" providerId="LiveId" clId="{8E9FBEDC-ECC3-4C16-934B-6FFB62C0422B}" dt="2022-12-11T13:04:53.204" v="58" actId="13926"/>
+        <pc:sldMkLst>
+          <pc:docMk/>
+          <pc:sldMk cId="3587192125" sldId="274"/>
+        </pc:sldMkLst>
+        <pc:spChg chg="mod">
+          <ac:chgData name="Peram praveen kumar reddy" userId="ccb74b16d9ee0880" providerId="LiveId" clId="{8E9FBEDC-ECC3-4C16-934B-6FFB62C0422B}" dt="2022-12-11T13:04:53.204" v="58" actId="13926"/>
+          <ac:spMkLst>
+            <pc:docMk/>
+            <pc:sldMk cId="3587192125" sldId="274"/>
+            <ac:spMk id="4" creationId="{00000000-0000-0000-0000-000000000000}"/>
+          </ac:spMkLst>
+        </pc:spChg>
+      </pc:sldChg>
+      <pc:sldChg chg="modSp mod modAnim">
+        <pc:chgData name="Peram praveen kumar reddy" userId="ccb74b16d9ee0880" providerId="LiveId" clId="{8E9FBEDC-ECC3-4C16-934B-6FFB62C0422B}" dt="2022-12-11T13:22:33.643" v="70" actId="1076"/>
+        <pc:sldMkLst>
+          <pc:docMk/>
+          <pc:sldMk cId="4153168711" sldId="311"/>
+        </pc:sldMkLst>
+        <pc:spChg chg="mod">
+          <ac:chgData name="Peram praveen kumar reddy" userId="ccb74b16d9ee0880" providerId="LiveId" clId="{8E9FBEDC-ECC3-4C16-934B-6FFB62C0422B}" dt="2022-12-11T13:21:49.200" v="61" actId="20577"/>
+          <ac:spMkLst>
+            <pc:docMk/>
+            <pc:sldMk cId="4153168711" sldId="311"/>
+            <ac:spMk id="3" creationId="{00000000-0000-0000-0000-000000000000}"/>
+          </ac:spMkLst>
+        </pc:spChg>
+        <pc:spChg chg="mod">
+          <ac:chgData name="Peram praveen kumar reddy" userId="ccb74b16d9ee0880" providerId="LiveId" clId="{8E9FBEDC-ECC3-4C16-934B-6FFB62C0422B}" dt="2022-12-11T13:22:33.643" v="70" actId="1076"/>
+          <ac:spMkLst>
+            <pc:docMk/>
+            <pc:sldMk cId="4153168711" sldId="311"/>
+            <ac:spMk id="4" creationId="{00000000-0000-0000-0000-000000000000}"/>
+          </ac:spMkLst>
+        </pc:spChg>
+      </pc:sldChg>
+      <pc:sldChg chg="modSp mod">
+        <pc:chgData name="Peram praveen kumar reddy" userId="ccb74b16d9ee0880" providerId="LiveId" clId="{8E9FBEDC-ECC3-4C16-934B-6FFB62C0422B}" dt="2022-12-11T14:44:25.238" v="72" actId="20577"/>
+        <pc:sldMkLst>
+          <pc:docMk/>
+          <pc:sldMk cId="1375434738" sldId="327"/>
+        </pc:sldMkLst>
+        <pc:spChg chg="mod">
+          <ac:chgData name="Peram praveen kumar reddy" userId="ccb74b16d9ee0880" providerId="LiveId" clId="{8E9FBEDC-ECC3-4C16-934B-6FFB62C0422B}" dt="2022-12-11T14:44:25.238" v="72" actId="20577"/>
+          <ac:spMkLst>
+            <pc:docMk/>
+            <pc:sldMk cId="1375434738" sldId="327"/>
+            <ac:spMk id="4" creationId="{00000000-0000-0000-0000-000000000000}"/>
+          </ac:spMkLst>
+        </pc:spChg>
+      </pc:sldChg>
+    </pc:docChg>
+  </pc:docChgLst>
+  <pc:docChgLst>
     <pc:chgData name="Peram praveen kumar reddy" userId="ccb74b16d9ee0880" providerId="LiveId" clId="{4A3DF108-A4C7-48B1-B02B-29EA40435E2A}"/>
     <pc:docChg chg="modSld">
       <pc:chgData name="Peram praveen kumar reddy" userId="ccb74b16d9ee0880" providerId="LiveId" clId="{4A3DF108-A4C7-48B1-B02B-29EA40435E2A}" dt="2022-11-11T06:30:54.224" v="57" actId="20577"/>
@@ -336,7 +413,7 @@
           <a:p>
             <a:fld id="{857558B2-0A69-4645-9AF2-5232E07D05EE}" type="datetimeFigureOut">
               <a:rPr lang="en-IN" smtClean="0"/>
-              <a:t>11-11-2022</a:t>
+              <a:t>11-12-2022</a:t>
             </a:fld>
             <a:endParaRPr lang="en-IN"/>
           </a:p>
@@ -819,7 +896,7 @@
           <a:p>
             <a:fld id="{1C29BAD4-F84B-4098-9A41-64CBD40CD135}" type="datetimeFigureOut">
               <a:rPr lang="en-IN" smtClean="0"/>
-              <a:t>11-11-2022</a:t>
+              <a:t>11-12-2022</a:t>
             </a:fld>
             <a:endParaRPr lang="en-IN"/>
           </a:p>
@@ -989,7 +1066,7 @@
           <a:p>
             <a:fld id="{1C29BAD4-F84B-4098-9A41-64CBD40CD135}" type="datetimeFigureOut">
               <a:rPr lang="en-IN" smtClean="0"/>
-              <a:t>11-11-2022</a:t>
+              <a:t>11-12-2022</a:t>
             </a:fld>
             <a:endParaRPr lang="en-IN"/>
           </a:p>
@@ -1169,7 +1246,7 @@
           <a:p>
             <a:fld id="{1C29BAD4-F84B-4098-9A41-64CBD40CD135}" type="datetimeFigureOut">
               <a:rPr lang="en-IN" smtClean="0"/>
-              <a:t>11-11-2022</a:t>
+              <a:t>11-12-2022</a:t>
             </a:fld>
             <a:endParaRPr lang="en-IN"/>
           </a:p>
@@ -1339,7 +1416,7 @@
           <a:p>
             <a:fld id="{1C29BAD4-F84B-4098-9A41-64CBD40CD135}" type="datetimeFigureOut">
               <a:rPr lang="en-IN" smtClean="0"/>
-              <a:t>11-11-2022</a:t>
+              <a:t>11-12-2022</a:t>
             </a:fld>
             <a:endParaRPr lang="en-IN"/>
           </a:p>
@@ -1585,7 +1662,7 @@
           <a:p>
             <a:fld id="{1C29BAD4-F84B-4098-9A41-64CBD40CD135}" type="datetimeFigureOut">
               <a:rPr lang="en-IN" smtClean="0"/>
-              <a:t>11-11-2022</a:t>
+              <a:t>11-12-2022</a:t>
             </a:fld>
             <a:endParaRPr lang="en-IN"/>
           </a:p>
@@ -1817,7 +1894,7 @@
           <a:p>
             <a:fld id="{1C29BAD4-F84B-4098-9A41-64CBD40CD135}" type="datetimeFigureOut">
               <a:rPr lang="en-IN" smtClean="0"/>
-              <a:t>11-11-2022</a:t>
+              <a:t>11-12-2022</a:t>
             </a:fld>
             <a:endParaRPr lang="en-IN"/>
           </a:p>
@@ -2184,7 +2261,7 @@
           <a:p>
             <a:fld id="{1C29BAD4-F84B-4098-9A41-64CBD40CD135}" type="datetimeFigureOut">
               <a:rPr lang="en-IN" smtClean="0"/>
-              <a:t>11-11-2022</a:t>
+              <a:t>11-12-2022</a:t>
             </a:fld>
             <a:endParaRPr lang="en-IN"/>
           </a:p>
@@ -2302,7 +2379,7 @@
           <a:p>
             <a:fld id="{1C29BAD4-F84B-4098-9A41-64CBD40CD135}" type="datetimeFigureOut">
               <a:rPr lang="en-IN" smtClean="0"/>
-              <a:t>11-11-2022</a:t>
+              <a:t>11-12-2022</a:t>
             </a:fld>
             <a:endParaRPr lang="en-IN"/>
           </a:p>
@@ -2397,7 +2474,7 @@
           <a:p>
             <a:fld id="{1C29BAD4-F84B-4098-9A41-64CBD40CD135}" type="datetimeFigureOut">
               <a:rPr lang="en-IN" smtClean="0"/>
-              <a:t>11-11-2022</a:t>
+              <a:t>11-12-2022</a:t>
             </a:fld>
             <a:endParaRPr lang="en-IN"/>
           </a:p>
@@ -2674,7 +2751,7 @@
           <a:p>
             <a:fld id="{1C29BAD4-F84B-4098-9A41-64CBD40CD135}" type="datetimeFigureOut">
               <a:rPr lang="en-IN" smtClean="0"/>
-              <a:t>11-11-2022</a:t>
+              <a:t>11-12-2022</a:t>
             </a:fld>
             <a:endParaRPr lang="en-IN"/>
           </a:p>
@@ -2927,7 +3004,7 @@
           <a:p>
             <a:fld id="{1C29BAD4-F84B-4098-9A41-64CBD40CD135}" type="datetimeFigureOut">
               <a:rPr lang="en-IN" smtClean="0"/>
-              <a:t>11-11-2022</a:t>
+              <a:t>11-12-2022</a:t>
             </a:fld>
             <a:endParaRPr lang="en-IN"/>
           </a:p>
@@ -3140,7 +3217,7 @@
           <a:p>
             <a:fld id="{1C29BAD4-F84B-4098-9A41-64CBD40CD135}" type="datetimeFigureOut">
               <a:rPr lang="en-IN" smtClean="0"/>
-              <a:t>11-11-2022</a:t>
+              <a:t>11-12-2022</a:t>
             </a:fld>
             <a:endParaRPr lang="en-IN"/>
           </a:p>
@@ -9243,7 +9320,34 @@
                 <a:latin typeface="Times New Roman" pitchFamily="18" charset="0"/>
                 <a:cs typeface="Times New Roman" pitchFamily="18" charset="0"/>
               </a:rPr>
-              <a:t>            * In the above example, a class declaration only creates a template, not an object</a:t>
+              <a:t>            * In the above example, a </a:t>
+            </a:r>
+            <a:r>
+              <a:rPr lang="en-US" dirty="0">
+                <a:highlight>
+                  <a:srgbClr val="FFFF00"/>
+                </a:highlight>
+                <a:latin typeface="Times New Roman" pitchFamily="18" charset="0"/>
+                <a:cs typeface="Times New Roman" pitchFamily="18" charset="0"/>
+              </a:rPr>
+              <a:t>class declaration only creates a template</a:t>
+            </a:r>
+            <a:r>
+              <a:rPr lang="en-US" dirty="0">
+                <a:latin typeface="Times New Roman" pitchFamily="18" charset="0"/>
+                <a:cs typeface="Times New Roman" pitchFamily="18" charset="0"/>
+              </a:rPr>
+              <a:t>, </a:t>
+            </a:r>
+            <a:r>
+              <a:rPr lang="en-US" dirty="0">
+                <a:highlight>
+                  <a:srgbClr val="FFFF00"/>
+                </a:highlight>
+                <a:latin typeface="Times New Roman" pitchFamily="18" charset="0"/>
+                <a:cs typeface="Times New Roman" pitchFamily="18" charset="0"/>
+              </a:rPr>
+              <a:t>not an object</a:t>
             </a:r>
           </a:p>
           <a:p>
@@ -9255,7 +9359,24 @@
                 <a:latin typeface="Times New Roman" pitchFamily="18" charset="0"/>
                 <a:cs typeface="Times New Roman" pitchFamily="18" charset="0"/>
               </a:rPr>
-              <a:t>            * It does not cause any objects of type student to come into existence.</a:t>
+              <a:t>            * It does not cause </a:t>
+            </a:r>
+            <a:r>
+              <a:rPr lang="en-US" dirty="0">
+                <a:highlight>
+                  <a:srgbClr val="FFFF00"/>
+                </a:highlight>
+                <a:latin typeface="Times New Roman" pitchFamily="18" charset="0"/>
+                <a:cs typeface="Times New Roman" pitchFamily="18" charset="0"/>
+              </a:rPr>
+              <a:t>any objects of type student to come into existence</a:t>
+            </a:r>
+            <a:r>
+              <a:rPr lang="en-US" dirty="0">
+                <a:latin typeface="Times New Roman" pitchFamily="18" charset="0"/>
+                <a:cs typeface="Times New Roman" pitchFamily="18" charset="0"/>
+              </a:rPr>
+              <a:t>.</a:t>
             </a:r>
           </a:p>
           <a:p>
@@ -10503,18 +10624,21 @@
             </a:r>
           </a:p>
           <a:p>
-            <a:endParaRPr lang="en-US" sz="2000" b="1" u="sng" dirty="0">
-              <a:latin typeface="Times New Roman" pitchFamily="18" charset="0"/>
-              <a:cs typeface="Times New Roman" pitchFamily="18" charset="0"/>
-            </a:endParaRPr>
-          </a:p>
-          <a:p>
-            <a:r>
-              <a:rPr lang="en-US" sz="2000" dirty="0">
-                <a:latin typeface="Times New Roman" pitchFamily="18" charset="0"/>
-                <a:cs typeface="Times New Roman" pitchFamily="18" charset="0"/>
-              </a:rPr>
-              <a:t>	* It’s tedious to initialize all the variables in a class each time an instance is </a:t>
+            <a:r>
+              <a:rPr lang="en-US" sz="2000" b="1" u="sng" dirty="0">
+                <a:latin typeface="Times New Roman" pitchFamily="18" charset="0"/>
+                <a:cs typeface="Times New Roman" pitchFamily="18" charset="0"/>
+              </a:rPr>
+              <a:t>	*constructor is a member function</a:t>
+            </a:r>
+          </a:p>
+          <a:p>
+            <a:r>
+              <a:rPr lang="en-US" sz="2000" dirty="0">
+                <a:latin typeface="Times New Roman" pitchFamily="18" charset="0"/>
+                <a:cs typeface="Times New Roman" pitchFamily="18" charset="0"/>
+              </a:rPr>
+              <a:t>	* It’s difficult to initialize all the variables in a class each time an instance is </a:t>
             </a:r>
           </a:p>
           <a:p>
@@ -10622,7 +10746,24 @@
                 <a:latin typeface="Times New Roman" pitchFamily="18" charset="0"/>
                 <a:cs typeface="Times New Roman" pitchFamily="18" charset="0"/>
               </a:rPr>
-              <a:t>	* The implicit return type of a class constructor is the class type itself.</a:t>
+              <a:t>	* </a:t>
+            </a:r>
+            <a:r>
+              <a:rPr lang="en-US" sz="2000" dirty="0">
+                <a:highlight>
+                  <a:srgbClr val="FFFF00"/>
+                </a:highlight>
+                <a:latin typeface="Times New Roman" pitchFamily="18" charset="0"/>
+                <a:cs typeface="Times New Roman" pitchFamily="18" charset="0"/>
+              </a:rPr>
+              <a:t>The implicit return type of a class constructor is the class type itself</a:t>
+            </a:r>
+            <a:r>
+              <a:rPr lang="en-US" sz="2000" dirty="0">
+                <a:latin typeface="Times New Roman" pitchFamily="18" charset="0"/>
+                <a:cs typeface="Times New Roman" pitchFamily="18" charset="0"/>
+              </a:rPr>
+              <a:t>.</a:t>
             </a:r>
           </a:p>
           <a:p>
@@ -25840,7 +25981,7 @@
                 <a:latin typeface="Times New Roman" panose="02020603050405020304" pitchFamily="18" charset="0"/>
                 <a:cs typeface="Times New Roman" panose="02020603050405020304" pitchFamily="18" charset="0"/>
               </a:rPr>
-              <a:t>In Java, method can return any type of data, including objects</a:t>
+              <a:t>In Java, method we can return any type of data, including objects</a:t>
             </a:r>
           </a:p>
           <a:p>
@@ -25867,8 +26008,8 @@
         </p:nvSpPr>
         <p:spPr bwMode="auto">
           <a:xfrm>
-            <a:off x="1157288" y="1560925"/>
-            <a:ext cx="6858000" cy="5250626"/>
+            <a:off x="1174541" y="1648621"/>
+            <a:ext cx="6858000" cy="4419629"/>
           </a:xfrm>
           <a:prstGeom prst="rect">
             <a:avLst/>
@@ -25907,7 +26048,7 @@
               <a:tabLst/>
             </a:pPr>
             <a:r>
-              <a:rPr kumimoji="0" lang="en-US" altLang="en-US" b="1" i="0" u="none" strike="noStrike" cap="none" normalizeH="0" baseline="0" dirty="0">
+              <a:rPr kumimoji="0" lang="en-US" altLang="en-US" sz="1200" b="1" i="0" u="none" strike="noStrike" cap="none" normalizeH="0" baseline="0" dirty="0">
                 <a:ln>
                   <a:noFill/>
                 </a:ln>
@@ -25936,7 +26077,7 @@
               <a:tabLst/>
             </a:pPr>
             <a:r>
-              <a:rPr kumimoji="0" lang="en-US" altLang="en-US" b="1" i="0" u="none" strike="noStrike" cap="none" normalizeH="0" baseline="0" dirty="0" err="1">
+              <a:rPr kumimoji="0" lang="en-US" altLang="en-US" sz="1200" b="1" i="0" u="none" strike="noStrike" cap="none" normalizeH="0" baseline="0" dirty="0" err="1">
                 <a:ln>
                   <a:noFill/>
                 </a:ln>
@@ -25947,7 +26088,7 @@
               <a:t>int</a:t>
             </a:r>
             <a:r>
-              <a:rPr kumimoji="0" lang="en-US" altLang="en-US" b="1" i="0" u="none" strike="noStrike" cap="none" normalizeH="0" baseline="0" dirty="0">
+              <a:rPr kumimoji="0" lang="en-US" altLang="en-US" sz="1200" b="1" i="0" u="none" strike="noStrike" cap="none" normalizeH="0" baseline="0" dirty="0">
                 <a:ln>
                   <a:noFill/>
                 </a:ln>
@@ -25976,7 +26117,7 @@
               <a:tabLst/>
             </a:pPr>
             <a:r>
-              <a:rPr kumimoji="0" lang="en-US" altLang="en-US" b="1" i="0" u="none" strike="noStrike" cap="none" normalizeH="0" baseline="0" dirty="0">
+              <a:rPr kumimoji="0" lang="en-US" altLang="en-US" sz="1200" b="1" i="0" u="none" strike="noStrike" cap="none" normalizeH="0" baseline="0" dirty="0">
                 <a:ln>
                   <a:noFill/>
                 </a:ln>
@@ -25987,7 +26128,7 @@
               <a:t> </a:t>
             </a:r>
             <a:r>
-              <a:rPr kumimoji="0" lang="en-US" altLang="en-US" b="1" i="0" u="none" strike="noStrike" cap="none" normalizeH="0" baseline="0" dirty="0" err="1">
+              <a:rPr kumimoji="0" lang="en-US" altLang="en-US" sz="1200" b="1" i="0" u="none" strike="noStrike" cap="none" normalizeH="0" baseline="0" dirty="0" err="1">
                 <a:ln>
                   <a:noFill/>
                 </a:ln>
@@ -25998,7 +26139,7 @@
               <a:t>int</a:t>
             </a:r>
             <a:r>
-              <a:rPr kumimoji="0" lang="en-US" altLang="en-US" b="1" i="0" u="none" strike="noStrike" cap="none" normalizeH="0" baseline="0" dirty="0">
+              <a:rPr kumimoji="0" lang="en-US" altLang="en-US" sz="1200" b="1" i="0" u="none" strike="noStrike" cap="none" normalizeH="0" baseline="0" dirty="0">
                 <a:ln>
                   <a:noFill/>
                 </a:ln>
@@ -26027,7 +26168,7 @@
               <a:tabLst/>
             </a:pPr>
             <a:r>
-              <a:rPr kumimoji="0" lang="en-US" altLang="en-US" b="1" i="0" u="none" strike="noStrike" cap="none" normalizeH="0" baseline="0" dirty="0">
+              <a:rPr kumimoji="0" lang="en-US" altLang="en-US" sz="1200" b="1" i="0" u="none" strike="noStrike" cap="none" normalizeH="0" baseline="0" dirty="0">
                 <a:ln>
                   <a:noFill/>
                 </a:ln>
@@ -26056,7 +26197,7 @@
               <a:tabLst/>
             </a:pPr>
             <a:r>
-              <a:rPr kumimoji="0" lang="en-US" altLang="en-US" b="1" i="0" u="none" strike="noStrike" cap="none" normalizeH="0" baseline="0" dirty="0">
+              <a:rPr kumimoji="0" lang="en-US" altLang="en-US" sz="1200" b="1" i="0" u="none" strike="noStrike" cap="none" normalizeH="0" baseline="0" dirty="0">
                 <a:ln>
                   <a:noFill/>
                 </a:ln>
@@ -26067,7 +26208,7 @@
               <a:t> class </a:t>
             </a:r>
             <a:r>
-              <a:rPr kumimoji="0" lang="en-US" altLang="en-US" b="1" i="0" u="none" strike="noStrike" cap="none" normalizeH="0" baseline="0" dirty="0" err="1">
+              <a:rPr kumimoji="0" lang="en-US" altLang="en-US" sz="1200" b="1" i="0" u="none" strike="noStrike" cap="none" normalizeH="0" baseline="0" dirty="0" err="1">
                 <a:ln>
                   <a:noFill/>
                 </a:ln>
@@ -26077,17 +26218,14 @@
               </a:rPr>
               <a:t>CreateData</a:t>
             </a:r>
-            <a:r>
-              <a:rPr kumimoji="0" lang="en-US" altLang="en-US" b="1" i="0" u="none" strike="noStrike" cap="none" normalizeH="0" baseline="0" dirty="0">
-                <a:ln>
-                  <a:noFill/>
-                </a:ln>
-                <a:effectLst/>
-                <a:latin typeface="Times New Roman" panose="02020603050405020304" pitchFamily="18" charset="0"/>
-                <a:cs typeface="Times New Roman" panose="02020603050405020304" pitchFamily="18" charset="0"/>
-              </a:rPr>
-              <a:t> { </a:t>
-            </a:r>
+            <a:endParaRPr kumimoji="0" lang="en-US" altLang="en-US" sz="1200" b="1" i="0" u="none" strike="noStrike" cap="none" normalizeH="0" baseline="0" dirty="0">
+              <a:ln>
+                <a:noFill/>
+              </a:ln>
+              <a:effectLst/>
+              <a:latin typeface="Times New Roman" panose="02020603050405020304" pitchFamily="18" charset="0"/>
+              <a:cs typeface="Times New Roman" panose="02020603050405020304" pitchFamily="18" charset="0"/>
+            </a:endParaRPr>
           </a:p>
           <a:p>
             <a:pPr marL="0" marR="0" lvl="0" indent="0" algn="l" defTabSz="914400" rtl="0" eaLnBrk="0" fontAlgn="base" latinLnBrk="0" hangingPunct="0">
@@ -26107,7 +26245,7 @@
               <a:tabLst/>
             </a:pPr>
             <a:r>
-              <a:rPr kumimoji="0" lang="en-US" altLang="en-US" b="1" i="0" u="none" strike="noStrike" cap="none" normalizeH="0" baseline="0" dirty="0">
+              <a:rPr kumimoji="0" lang="en-US" altLang="en-US" sz="1200" b="1" i="0" u="none" strike="noStrike" cap="none" normalizeH="0" baseline="0" dirty="0">
                 <a:ln>
                   <a:noFill/>
                 </a:ln>
@@ -26115,29 +26253,7 @@
                 <a:latin typeface="Times New Roman" panose="02020603050405020304" pitchFamily="18" charset="0"/>
                 <a:cs typeface="Times New Roman" panose="02020603050405020304" pitchFamily="18" charset="0"/>
               </a:rPr>
-              <a:t>Data </a:t>
-            </a:r>
-            <a:r>
-              <a:rPr kumimoji="0" lang="en-US" altLang="en-US" b="1" i="0" u="none" strike="noStrike" cap="none" normalizeH="0" baseline="0" dirty="0" err="1">
-                <a:ln>
-                  <a:noFill/>
-                </a:ln>
-                <a:effectLst/>
-                <a:latin typeface="Times New Roman" panose="02020603050405020304" pitchFamily="18" charset="0"/>
-                <a:cs typeface="Times New Roman" panose="02020603050405020304" pitchFamily="18" charset="0"/>
-              </a:rPr>
-              <a:t>createData</a:t>
-            </a:r>
-            <a:r>
-              <a:rPr kumimoji="0" lang="en-US" altLang="en-US" b="1" i="0" u="none" strike="noStrike" cap="none" normalizeH="0" baseline="0" dirty="0">
-                <a:ln>
-                  <a:noFill/>
-                </a:ln>
-                <a:effectLst/>
-                <a:latin typeface="Times New Roman" panose="02020603050405020304" pitchFamily="18" charset="0"/>
-                <a:cs typeface="Times New Roman" panose="02020603050405020304" pitchFamily="18" charset="0"/>
-              </a:rPr>
-              <a:t>() { return new Data(); }</a:t>
+              <a:t>{ </a:t>
             </a:r>
           </a:p>
           <a:p>
@@ -26158,7 +26274,7 @@
               <a:tabLst/>
             </a:pPr>
             <a:r>
-              <a:rPr kumimoji="0" lang="en-US" altLang="en-US" b="1" i="0" u="none" strike="noStrike" cap="none" normalizeH="0" baseline="0" dirty="0">
+              <a:rPr kumimoji="0" lang="en-US" altLang="en-US" sz="1200" b="1" i="0" u="none" strike="noStrike" cap="none" normalizeH="0" baseline="0" dirty="0">
                 <a:ln>
                   <a:noFill/>
                 </a:ln>
@@ -26166,7 +26282,29 @@
                 <a:latin typeface="Times New Roman" panose="02020603050405020304" pitchFamily="18" charset="0"/>
                 <a:cs typeface="Times New Roman" panose="02020603050405020304" pitchFamily="18" charset="0"/>
               </a:rPr>
-              <a:t> } </a:t>
+              <a:t>Data </a:t>
+            </a:r>
+            <a:r>
+              <a:rPr kumimoji="0" lang="en-US" altLang="en-US" sz="1200" b="1" i="0" u="none" strike="noStrike" cap="none" normalizeH="0" baseline="0" dirty="0" err="1">
+                <a:ln>
+                  <a:noFill/>
+                </a:ln>
+                <a:effectLst/>
+                <a:latin typeface="Times New Roman" panose="02020603050405020304" pitchFamily="18" charset="0"/>
+                <a:cs typeface="Times New Roman" panose="02020603050405020304" pitchFamily="18" charset="0"/>
+              </a:rPr>
+              <a:t>createData</a:t>
+            </a:r>
+            <a:r>
+              <a:rPr kumimoji="0" lang="en-US" altLang="en-US" sz="1200" b="1" i="0" u="none" strike="noStrike" cap="none" normalizeH="0" baseline="0" dirty="0">
+                <a:ln>
+                  <a:noFill/>
+                </a:ln>
+                <a:effectLst/>
+                <a:latin typeface="Times New Roman" panose="02020603050405020304" pitchFamily="18" charset="0"/>
+                <a:cs typeface="Times New Roman" panose="02020603050405020304" pitchFamily="18" charset="0"/>
+              </a:rPr>
+              <a:t>() </a:t>
             </a:r>
           </a:p>
           <a:p>
@@ -26187,7 +26325,7 @@
               <a:tabLst/>
             </a:pPr>
             <a:r>
-              <a:rPr kumimoji="0" lang="en-US" altLang="en-US" b="1" i="0" u="none" strike="noStrike" cap="none" normalizeH="0" baseline="0" dirty="0">
+              <a:rPr kumimoji="0" lang="en-US" altLang="en-US" sz="1200" b="1" i="0" u="none" strike="noStrike" cap="none" normalizeH="0" baseline="0" dirty="0">
                 <a:ln>
                   <a:noFill/>
                 </a:ln>
@@ -26195,29 +26333,7 @@
                 <a:latin typeface="Times New Roman" panose="02020603050405020304" pitchFamily="18" charset="0"/>
                 <a:cs typeface="Times New Roman" panose="02020603050405020304" pitchFamily="18" charset="0"/>
               </a:rPr>
-              <a:t>public class </a:t>
-            </a:r>
-            <a:r>
-              <a:rPr kumimoji="0" lang="en-US" altLang="en-US" b="1" i="0" u="none" strike="noStrike" cap="none" normalizeH="0" baseline="0" dirty="0" err="1">
-                <a:ln>
-                  <a:noFill/>
-                </a:ln>
-                <a:effectLst/>
-                <a:latin typeface="Times New Roman" panose="02020603050405020304" pitchFamily="18" charset="0"/>
-                <a:cs typeface="Times New Roman" panose="02020603050405020304" pitchFamily="18" charset="0"/>
-              </a:rPr>
-              <a:t>Javaapp</a:t>
-            </a:r>
-            <a:r>
-              <a:rPr kumimoji="0" lang="en-US" altLang="en-US" b="1" i="0" u="none" strike="noStrike" cap="none" normalizeH="0" baseline="0" dirty="0">
-                <a:ln>
-                  <a:noFill/>
-                </a:ln>
-                <a:effectLst/>
-                <a:latin typeface="Times New Roman" panose="02020603050405020304" pitchFamily="18" charset="0"/>
-                <a:cs typeface="Times New Roman" panose="02020603050405020304" pitchFamily="18" charset="0"/>
-              </a:rPr>
-              <a:t> { </a:t>
+              <a:t>{</a:t>
             </a:r>
           </a:p>
           <a:p>
@@ -26238,7 +26354,7 @@
               <a:tabLst/>
             </a:pPr>
             <a:r>
-              <a:rPr kumimoji="0" lang="en-US" altLang="en-US" b="1" i="0" u="none" strike="noStrike" cap="none" normalizeH="0" baseline="0" dirty="0">
+              <a:rPr kumimoji="0" lang="en-US" altLang="en-US" sz="1200" b="1" i="0" u="none" strike="noStrike" cap="none" normalizeH="0" baseline="0" dirty="0">
                 <a:ln>
                   <a:noFill/>
                 </a:ln>
@@ -26246,29 +26362,7 @@
                 <a:latin typeface="Times New Roman" panose="02020603050405020304" pitchFamily="18" charset="0"/>
                 <a:cs typeface="Times New Roman" panose="02020603050405020304" pitchFamily="18" charset="0"/>
               </a:rPr>
-              <a:t>public static void main(String[] </a:t>
-            </a:r>
-            <a:r>
-              <a:rPr kumimoji="0" lang="en-US" altLang="en-US" b="1" i="0" u="none" strike="noStrike" cap="none" normalizeH="0" baseline="0" dirty="0" err="1">
-                <a:ln>
-                  <a:noFill/>
-                </a:ln>
-                <a:effectLst/>
-                <a:latin typeface="Times New Roman" panose="02020603050405020304" pitchFamily="18" charset="0"/>
-                <a:cs typeface="Times New Roman" panose="02020603050405020304" pitchFamily="18" charset="0"/>
-              </a:rPr>
-              <a:t>args</a:t>
-            </a:r>
-            <a:r>
-              <a:rPr kumimoji="0" lang="en-US" altLang="en-US" b="1" i="0" u="none" strike="noStrike" cap="none" normalizeH="0" baseline="0" dirty="0">
-                <a:ln>
-                  <a:noFill/>
-                </a:ln>
-                <a:effectLst/>
-                <a:latin typeface="Times New Roman" panose="02020603050405020304" pitchFamily="18" charset="0"/>
-                <a:cs typeface="Times New Roman" panose="02020603050405020304" pitchFamily="18" charset="0"/>
-              </a:rPr>
-              <a:t>) { </a:t>
+              <a:t> 	return new Data(); </a:t>
             </a:r>
           </a:p>
           <a:p>
@@ -26289,7 +26383,7 @@
               <a:tabLst/>
             </a:pPr>
             <a:r>
-              <a:rPr kumimoji="0" lang="en-US" altLang="en-US" b="1" i="0" u="none" strike="noStrike" cap="none" normalizeH="0" baseline="0" dirty="0" err="1">
+              <a:rPr kumimoji="0" lang="en-US" altLang="en-US" sz="1200" b="1" i="0" u="none" strike="noStrike" cap="none" normalizeH="0" baseline="0" dirty="0">
                 <a:ln>
                   <a:noFill/>
                 </a:ln>
@@ -26297,40 +26391,7 @@
                 <a:latin typeface="Times New Roman" panose="02020603050405020304" pitchFamily="18" charset="0"/>
                 <a:cs typeface="Times New Roman" panose="02020603050405020304" pitchFamily="18" charset="0"/>
               </a:rPr>
-              <a:t>CreateData</a:t>
-            </a:r>
-            <a:r>
-              <a:rPr kumimoji="0" lang="en-US" altLang="en-US" b="1" i="0" u="none" strike="noStrike" cap="none" normalizeH="0" baseline="0" dirty="0">
-                <a:ln>
-                  <a:noFill/>
-                </a:ln>
-                <a:effectLst/>
-                <a:latin typeface="Times New Roman" panose="02020603050405020304" pitchFamily="18" charset="0"/>
-                <a:cs typeface="Times New Roman" panose="02020603050405020304" pitchFamily="18" charset="0"/>
-              </a:rPr>
-              <a:t> cd = new </a:t>
-            </a:r>
-            <a:r>
-              <a:rPr kumimoji="0" lang="en-US" altLang="en-US" b="1" i="0" u="none" strike="noStrike" cap="none" normalizeH="0" baseline="0" dirty="0" err="1">
-                <a:ln>
-                  <a:noFill/>
-                </a:ln>
-                <a:effectLst/>
-                <a:latin typeface="Times New Roman" panose="02020603050405020304" pitchFamily="18" charset="0"/>
-                <a:cs typeface="Times New Roman" panose="02020603050405020304" pitchFamily="18" charset="0"/>
-              </a:rPr>
-              <a:t>CreateData</a:t>
-            </a:r>
-            <a:r>
-              <a:rPr kumimoji="0" lang="en-US" altLang="en-US" b="1" i="0" u="none" strike="noStrike" cap="none" normalizeH="0" baseline="0" dirty="0">
-                <a:ln>
-                  <a:noFill/>
-                </a:ln>
-                <a:effectLst/>
-                <a:latin typeface="Times New Roman" panose="02020603050405020304" pitchFamily="18" charset="0"/>
-                <a:cs typeface="Times New Roman" panose="02020603050405020304" pitchFamily="18" charset="0"/>
-              </a:rPr>
-              <a:t>();</a:t>
+              <a:t>}</a:t>
             </a:r>
           </a:p>
           <a:p>
@@ -26351,7 +26412,7 @@
               <a:tabLst/>
             </a:pPr>
             <a:r>
-              <a:rPr kumimoji="0" lang="en-US" altLang="en-US" b="1" i="0" u="none" strike="noStrike" cap="none" normalizeH="0" baseline="0" dirty="0">
+              <a:rPr kumimoji="0" lang="en-US" altLang="en-US" sz="1200" b="1" i="0" u="none" strike="noStrike" cap="none" normalizeH="0" baseline="0" dirty="0">
                 <a:ln>
                   <a:noFill/>
                 </a:ln>
@@ -26359,29 +26420,7 @@
                 <a:latin typeface="Times New Roman" panose="02020603050405020304" pitchFamily="18" charset="0"/>
                 <a:cs typeface="Times New Roman" panose="02020603050405020304" pitchFamily="18" charset="0"/>
               </a:rPr>
-              <a:t> Data d1 = </a:t>
-            </a:r>
-            <a:r>
-              <a:rPr kumimoji="0" lang="en-US" altLang="en-US" b="1" i="0" u="none" strike="noStrike" cap="none" normalizeH="0" baseline="0" dirty="0" err="1">
-                <a:ln>
-                  <a:noFill/>
-                </a:ln>
-                <a:effectLst/>
-                <a:latin typeface="Times New Roman" panose="02020603050405020304" pitchFamily="18" charset="0"/>
-                <a:cs typeface="Times New Roman" panose="02020603050405020304" pitchFamily="18" charset="0"/>
-              </a:rPr>
-              <a:t>cd.createData</a:t>
-            </a:r>
-            <a:r>
-              <a:rPr kumimoji="0" lang="en-US" altLang="en-US" b="1" i="0" u="none" strike="noStrike" cap="none" normalizeH="0" baseline="0" dirty="0">
-                <a:ln>
-                  <a:noFill/>
-                </a:ln>
-                <a:effectLst/>
-                <a:latin typeface="Times New Roman" panose="02020603050405020304" pitchFamily="18" charset="0"/>
-                <a:cs typeface="Times New Roman" panose="02020603050405020304" pitchFamily="18" charset="0"/>
-              </a:rPr>
-              <a:t>();</a:t>
+              <a:t> } </a:t>
             </a:r>
           </a:p>
           <a:p>
@@ -26402,7 +26441,7 @@
               <a:tabLst/>
             </a:pPr>
             <a:r>
-              <a:rPr kumimoji="0" lang="en-US" altLang="en-US" b="1" i="0" u="none" strike="noStrike" cap="none" normalizeH="0" baseline="0" dirty="0">
+              <a:rPr kumimoji="0" lang="en-US" altLang="en-US" sz="1200" b="1" i="0" u="none" strike="noStrike" cap="none" normalizeH="0" baseline="0" dirty="0">
                 <a:ln>
                   <a:noFill/>
                 </a:ln>
@@ -26410,7 +26449,29 @@
                 <a:latin typeface="Times New Roman" panose="02020603050405020304" pitchFamily="18" charset="0"/>
                 <a:cs typeface="Times New Roman" panose="02020603050405020304" pitchFamily="18" charset="0"/>
               </a:rPr>
-              <a:t> d1.data1 = 10; </a:t>
+              <a:t>public class </a:t>
+            </a:r>
+            <a:r>
+              <a:rPr kumimoji="0" lang="en-US" altLang="en-US" sz="1200" b="1" i="0" u="none" strike="noStrike" cap="none" normalizeH="0" baseline="0" dirty="0" err="1">
+                <a:ln>
+                  <a:noFill/>
+                </a:ln>
+                <a:effectLst/>
+                <a:latin typeface="Times New Roman" panose="02020603050405020304" pitchFamily="18" charset="0"/>
+                <a:cs typeface="Times New Roman" panose="02020603050405020304" pitchFamily="18" charset="0"/>
+              </a:rPr>
+              <a:t>Javaapp</a:t>
+            </a:r>
+            <a:r>
+              <a:rPr kumimoji="0" lang="en-US" altLang="en-US" sz="1200" b="1" i="0" u="none" strike="noStrike" cap="none" normalizeH="0" baseline="0" dirty="0">
+                <a:ln>
+                  <a:noFill/>
+                </a:ln>
+                <a:effectLst/>
+                <a:latin typeface="Times New Roman" panose="02020603050405020304" pitchFamily="18" charset="0"/>
+                <a:cs typeface="Times New Roman" panose="02020603050405020304" pitchFamily="18" charset="0"/>
+              </a:rPr>
+              <a:t> { </a:t>
             </a:r>
           </a:p>
           <a:p>
@@ -26431,7 +26492,7 @@
               <a:tabLst/>
             </a:pPr>
             <a:r>
-              <a:rPr kumimoji="0" lang="en-US" altLang="en-US" b="1" i="0" u="none" strike="noStrike" cap="none" normalizeH="0" baseline="0" dirty="0">
+              <a:rPr kumimoji="0" lang="en-US" altLang="en-US" sz="1200" b="1" i="0" u="none" strike="noStrike" cap="none" normalizeH="0" baseline="0" dirty="0">
                 <a:ln>
                   <a:noFill/>
                 </a:ln>
@@ -26439,7 +26500,29 @@
                 <a:latin typeface="Times New Roman" panose="02020603050405020304" pitchFamily="18" charset="0"/>
                 <a:cs typeface="Times New Roman" panose="02020603050405020304" pitchFamily="18" charset="0"/>
               </a:rPr>
-              <a:t>d1.data2 = 20; </a:t>
+              <a:t>public static void main(String[] </a:t>
+            </a:r>
+            <a:r>
+              <a:rPr kumimoji="0" lang="en-US" altLang="en-US" sz="1200" b="1" i="0" u="none" strike="noStrike" cap="none" normalizeH="0" baseline="0" dirty="0" err="1">
+                <a:ln>
+                  <a:noFill/>
+                </a:ln>
+                <a:effectLst/>
+                <a:latin typeface="Times New Roman" panose="02020603050405020304" pitchFamily="18" charset="0"/>
+                <a:cs typeface="Times New Roman" panose="02020603050405020304" pitchFamily="18" charset="0"/>
+              </a:rPr>
+              <a:t>args</a:t>
+            </a:r>
+            <a:r>
+              <a:rPr kumimoji="0" lang="en-US" altLang="en-US" sz="1200" b="1" i="0" u="none" strike="noStrike" cap="none" normalizeH="0" baseline="0" dirty="0">
+                <a:ln>
+                  <a:noFill/>
+                </a:ln>
+                <a:effectLst/>
+                <a:latin typeface="Times New Roman" panose="02020603050405020304" pitchFamily="18" charset="0"/>
+                <a:cs typeface="Times New Roman" panose="02020603050405020304" pitchFamily="18" charset="0"/>
+              </a:rPr>
+              <a:t>) { </a:t>
             </a:r>
           </a:p>
           <a:p>
@@ -26460,7 +26543,7 @@
               <a:tabLst/>
             </a:pPr>
             <a:r>
-              <a:rPr kumimoji="0" lang="en-US" altLang="en-US" b="1" i="0" u="none" strike="noStrike" cap="none" normalizeH="0" baseline="0" dirty="0" err="1">
+              <a:rPr kumimoji="0" lang="en-US" altLang="en-US" sz="1200" b="1" i="0" u="none" strike="noStrike" cap="none" normalizeH="0" baseline="0" dirty="0" err="1">
                 <a:ln>
                   <a:noFill/>
                 </a:ln>
@@ -26468,10 +26551,10 @@
                 <a:latin typeface="Times New Roman" panose="02020603050405020304" pitchFamily="18" charset="0"/>
                 <a:cs typeface="Times New Roman" panose="02020603050405020304" pitchFamily="18" charset="0"/>
               </a:rPr>
-              <a:t>System.out.println</a:t>
-            </a:r>
-            <a:r>
-              <a:rPr kumimoji="0" lang="en-US" altLang="en-US" b="1" i="0" u="none" strike="noStrike" cap="none" normalizeH="0" baseline="0" dirty="0">
+              <a:t>CreateData</a:t>
+            </a:r>
+            <a:r>
+              <a:rPr kumimoji="0" lang="en-US" altLang="en-US" sz="1200" b="1" i="0" u="none" strike="noStrike" cap="none" normalizeH="0" baseline="0" dirty="0">
                 <a:ln>
                   <a:noFill/>
                 </a:ln>
@@ -26479,7 +26562,29 @@
                 <a:latin typeface="Times New Roman" panose="02020603050405020304" pitchFamily="18" charset="0"/>
                 <a:cs typeface="Times New Roman" panose="02020603050405020304" pitchFamily="18" charset="0"/>
               </a:rPr>
-              <a:t>("d1.data1 : "+d1.data1);</a:t>
+              <a:t> cd = new </a:t>
+            </a:r>
+            <a:r>
+              <a:rPr kumimoji="0" lang="en-US" altLang="en-US" sz="1200" b="1" i="0" u="none" strike="noStrike" cap="none" normalizeH="0" baseline="0" dirty="0" err="1">
+                <a:ln>
+                  <a:noFill/>
+                </a:ln>
+                <a:effectLst/>
+                <a:latin typeface="Times New Roman" panose="02020603050405020304" pitchFamily="18" charset="0"/>
+                <a:cs typeface="Times New Roman" panose="02020603050405020304" pitchFamily="18" charset="0"/>
+              </a:rPr>
+              <a:t>CreateData</a:t>
+            </a:r>
+            <a:r>
+              <a:rPr kumimoji="0" lang="en-US" altLang="en-US" sz="1200" b="1" i="0" u="none" strike="noStrike" cap="none" normalizeH="0" baseline="0" dirty="0">
+                <a:ln>
+                  <a:noFill/>
+                </a:ln>
+                <a:effectLst/>
+                <a:latin typeface="Times New Roman" panose="02020603050405020304" pitchFamily="18" charset="0"/>
+                <a:cs typeface="Times New Roman" panose="02020603050405020304" pitchFamily="18" charset="0"/>
+              </a:rPr>
+              <a:t>();</a:t>
             </a:r>
           </a:p>
           <a:p>
@@ -26500,7 +26605,7 @@
               <a:tabLst/>
             </a:pPr>
             <a:r>
-              <a:rPr kumimoji="0" lang="en-US" altLang="en-US" b="1" i="0" u="none" strike="noStrike" cap="none" normalizeH="0" baseline="0" dirty="0">
+              <a:rPr kumimoji="0" lang="en-US" altLang="en-US" sz="1200" b="1" i="0" u="none" strike="noStrike" cap="none" normalizeH="0" baseline="0" dirty="0">
                 <a:ln>
                   <a:noFill/>
                 </a:ln>
@@ -26508,10 +26613,10 @@
                 <a:latin typeface="Times New Roman" panose="02020603050405020304" pitchFamily="18" charset="0"/>
                 <a:cs typeface="Times New Roman" panose="02020603050405020304" pitchFamily="18" charset="0"/>
               </a:rPr>
-              <a:t> </a:t>
-            </a:r>
-            <a:r>
-              <a:rPr kumimoji="0" lang="en-US" altLang="en-US" b="1" i="0" u="none" strike="noStrike" cap="none" normalizeH="0" baseline="0" dirty="0" err="1">
+              <a:t> Data d1 = </a:t>
+            </a:r>
+            <a:r>
+              <a:rPr kumimoji="0" lang="en-US" altLang="en-US" sz="1200" b="1" i="0" u="none" strike="noStrike" cap="none" normalizeH="0" baseline="0" dirty="0" err="1">
                 <a:ln>
                   <a:noFill/>
                 </a:ln>
@@ -26519,10 +26624,10 @@
                 <a:latin typeface="Times New Roman" panose="02020603050405020304" pitchFamily="18" charset="0"/>
                 <a:cs typeface="Times New Roman" panose="02020603050405020304" pitchFamily="18" charset="0"/>
               </a:rPr>
-              <a:t>System.out.println</a:t>
-            </a:r>
-            <a:r>
-              <a:rPr kumimoji="0" lang="en-US" altLang="en-US" b="1" i="0" u="none" strike="noStrike" cap="none" normalizeH="0" baseline="0" dirty="0">
+              <a:t>cd.createData</a:t>
+            </a:r>
+            <a:r>
+              <a:rPr kumimoji="0" lang="en-US" altLang="en-US" sz="1200" b="1" i="0" u="none" strike="noStrike" cap="none" normalizeH="0" baseline="0" dirty="0">
                 <a:ln>
                   <a:noFill/>
                 </a:ln>
@@ -26530,7 +26635,7 @@
                 <a:latin typeface="Times New Roman" panose="02020603050405020304" pitchFamily="18" charset="0"/>
                 <a:cs typeface="Times New Roman" panose="02020603050405020304" pitchFamily="18" charset="0"/>
               </a:rPr>
-              <a:t>("d1.data2 : "+d1.data2); </a:t>
+              <a:t>();</a:t>
             </a:r>
           </a:p>
           <a:p>
@@ -26551,7 +26656,7 @@
               <a:tabLst/>
             </a:pPr>
             <a:r>
-              <a:rPr kumimoji="0" lang="en-US" altLang="en-US" b="1" i="0" u="none" strike="noStrike" cap="none" normalizeH="0" baseline="0" dirty="0">
+              <a:rPr kumimoji="0" lang="en-US" altLang="en-US" sz="1200" b="1" i="0" u="none" strike="noStrike" cap="none" normalizeH="0" baseline="0" dirty="0">
                 <a:ln>
                   <a:noFill/>
                 </a:ln>
@@ -26559,7 +26664,7 @@
                 <a:latin typeface="Times New Roman" panose="02020603050405020304" pitchFamily="18" charset="0"/>
                 <a:cs typeface="Times New Roman" panose="02020603050405020304" pitchFamily="18" charset="0"/>
               </a:rPr>
-              <a:t>}</a:t>
+              <a:t> d1.data1 = 10; </a:t>
             </a:r>
           </a:p>
           <a:p>
@@ -26580,7 +26685,7 @@
               <a:tabLst/>
             </a:pPr>
             <a:r>
-              <a:rPr kumimoji="0" lang="en-US" altLang="en-US" b="1" i="0" u="none" strike="noStrike" cap="none" normalizeH="0" baseline="0" dirty="0">
+              <a:rPr kumimoji="0" lang="en-US" altLang="en-US" sz="1200" b="1" i="0" u="none" strike="noStrike" cap="none" normalizeH="0" baseline="0" dirty="0">
                 <a:ln>
                   <a:noFill/>
                 </a:ln>
@@ -26588,10 +26693,159 @@
                 <a:latin typeface="Times New Roman" panose="02020603050405020304" pitchFamily="18" charset="0"/>
                 <a:cs typeface="Times New Roman" panose="02020603050405020304" pitchFamily="18" charset="0"/>
               </a:rPr>
+              <a:t>d1.data2 = 20; </a:t>
+            </a:r>
+          </a:p>
+          <a:p>
+            <a:pPr marL="0" marR="0" lvl="0" indent="0" algn="l" defTabSz="914400" rtl="0" eaLnBrk="0" fontAlgn="base" latinLnBrk="0" hangingPunct="0">
+              <a:lnSpc>
+                <a:spcPct val="100000"/>
+              </a:lnSpc>
+              <a:spcBef>
+                <a:spcPct val="0"/>
+              </a:spcBef>
+              <a:spcAft>
+                <a:spcPct val="0"/>
+              </a:spcAft>
+              <a:buClrTx/>
+              <a:buSzTx/>
+              <a:buFontTx/>
+              <a:buNone/>
+              <a:tabLst/>
+            </a:pPr>
+            <a:r>
+              <a:rPr kumimoji="0" lang="en-US" altLang="en-US" sz="1200" b="1" i="0" u="none" strike="noStrike" cap="none" normalizeH="0" baseline="0" dirty="0" err="1">
+                <a:ln>
+                  <a:noFill/>
+                </a:ln>
+                <a:effectLst/>
+                <a:latin typeface="Times New Roman" panose="02020603050405020304" pitchFamily="18" charset="0"/>
+                <a:cs typeface="Times New Roman" panose="02020603050405020304" pitchFamily="18" charset="0"/>
+              </a:rPr>
+              <a:t>System.out.println</a:t>
+            </a:r>
+            <a:r>
+              <a:rPr kumimoji="0" lang="en-US" altLang="en-US" sz="1200" b="1" i="0" u="none" strike="noStrike" cap="none" normalizeH="0" baseline="0" dirty="0">
+                <a:ln>
+                  <a:noFill/>
+                </a:ln>
+                <a:effectLst/>
+                <a:latin typeface="Times New Roman" panose="02020603050405020304" pitchFamily="18" charset="0"/>
+                <a:cs typeface="Times New Roman" panose="02020603050405020304" pitchFamily="18" charset="0"/>
+              </a:rPr>
+              <a:t>("d1.data1 : "+d1.data1);</a:t>
+            </a:r>
+          </a:p>
+          <a:p>
+            <a:pPr marL="0" marR="0" lvl="0" indent="0" algn="l" defTabSz="914400" rtl="0" eaLnBrk="0" fontAlgn="base" latinLnBrk="0" hangingPunct="0">
+              <a:lnSpc>
+                <a:spcPct val="100000"/>
+              </a:lnSpc>
+              <a:spcBef>
+                <a:spcPct val="0"/>
+              </a:spcBef>
+              <a:spcAft>
+                <a:spcPct val="0"/>
+              </a:spcAft>
+              <a:buClrTx/>
+              <a:buSzTx/>
+              <a:buFontTx/>
+              <a:buNone/>
+              <a:tabLst/>
+            </a:pPr>
+            <a:r>
+              <a:rPr kumimoji="0" lang="en-US" altLang="en-US" sz="1200" b="1" i="0" u="none" strike="noStrike" cap="none" normalizeH="0" baseline="0" dirty="0">
+                <a:ln>
+                  <a:noFill/>
+                </a:ln>
+                <a:effectLst/>
+                <a:latin typeface="Times New Roman" panose="02020603050405020304" pitchFamily="18" charset="0"/>
+                <a:cs typeface="Times New Roman" panose="02020603050405020304" pitchFamily="18" charset="0"/>
+              </a:rPr>
+              <a:t> </a:t>
+            </a:r>
+            <a:r>
+              <a:rPr kumimoji="0" lang="en-US" altLang="en-US" sz="1200" b="1" i="0" u="none" strike="noStrike" cap="none" normalizeH="0" baseline="0" dirty="0" err="1">
+                <a:ln>
+                  <a:noFill/>
+                </a:ln>
+                <a:effectLst/>
+                <a:latin typeface="Times New Roman" panose="02020603050405020304" pitchFamily="18" charset="0"/>
+                <a:cs typeface="Times New Roman" panose="02020603050405020304" pitchFamily="18" charset="0"/>
+              </a:rPr>
+              <a:t>System.out.println</a:t>
+            </a:r>
+            <a:r>
+              <a:rPr kumimoji="0" lang="en-US" altLang="en-US" sz="1200" b="1" i="0" u="none" strike="noStrike" cap="none" normalizeH="0" baseline="0" dirty="0">
+                <a:ln>
+                  <a:noFill/>
+                </a:ln>
+                <a:effectLst/>
+                <a:latin typeface="Times New Roman" panose="02020603050405020304" pitchFamily="18" charset="0"/>
+                <a:cs typeface="Times New Roman" panose="02020603050405020304" pitchFamily="18" charset="0"/>
+              </a:rPr>
+              <a:t>("d1.data2 : "+d1.data2); </a:t>
+            </a:r>
+          </a:p>
+          <a:p>
+            <a:pPr marL="0" marR="0" lvl="0" indent="0" algn="l" defTabSz="914400" rtl="0" eaLnBrk="0" fontAlgn="base" latinLnBrk="0" hangingPunct="0">
+              <a:lnSpc>
+                <a:spcPct val="100000"/>
+              </a:lnSpc>
+              <a:spcBef>
+                <a:spcPct val="0"/>
+              </a:spcBef>
+              <a:spcAft>
+                <a:spcPct val="0"/>
+              </a:spcAft>
+              <a:buClrTx/>
+              <a:buSzTx/>
+              <a:buFontTx/>
+              <a:buNone/>
+              <a:tabLst/>
+            </a:pPr>
+            <a:r>
+              <a:rPr kumimoji="0" lang="en-US" altLang="en-US" sz="1200" b="1" i="0" u="none" strike="noStrike" cap="none" normalizeH="0" baseline="0" dirty="0">
+                <a:ln>
+                  <a:noFill/>
+                </a:ln>
+                <a:effectLst/>
+                <a:latin typeface="Times New Roman" panose="02020603050405020304" pitchFamily="18" charset="0"/>
+                <a:cs typeface="Times New Roman" panose="02020603050405020304" pitchFamily="18" charset="0"/>
+              </a:rPr>
+              <a:t>}</a:t>
+            </a:r>
+          </a:p>
+          <a:p>
+            <a:pPr marL="0" marR="0" lvl="0" indent="0" algn="l" defTabSz="914400" rtl="0" eaLnBrk="0" fontAlgn="base" latinLnBrk="0" hangingPunct="0">
+              <a:lnSpc>
+                <a:spcPct val="100000"/>
+              </a:lnSpc>
+              <a:spcBef>
+                <a:spcPct val="0"/>
+              </a:spcBef>
+              <a:spcAft>
+                <a:spcPct val="0"/>
+              </a:spcAft>
+              <a:buClrTx/>
+              <a:buSzTx/>
+              <a:buFontTx/>
+              <a:buNone/>
+              <a:tabLst/>
+            </a:pPr>
+            <a:r>
+              <a:rPr kumimoji="0" lang="en-US" altLang="en-US" sz="1200" b="1" i="0" u="none" strike="noStrike" cap="none" normalizeH="0" baseline="0" dirty="0">
+                <a:ln>
+                  <a:noFill/>
+                </a:ln>
+                <a:effectLst/>
+                <a:latin typeface="Times New Roman" panose="02020603050405020304" pitchFamily="18" charset="0"/>
+                <a:cs typeface="Times New Roman" panose="02020603050405020304" pitchFamily="18" charset="0"/>
+              </a:rPr>
               <a:t> }</a:t>
             </a:r>
             <a:r>
-              <a:rPr kumimoji="0" lang="en-US" altLang="en-US" b="0" i="0" u="none" strike="noStrike" cap="none" normalizeH="0" baseline="0" dirty="0">
+              <a:rPr kumimoji="0" lang="en-US" altLang="en-US" sz="1200" b="0" i="0" u="none" strike="noStrike" cap="none" normalizeH="0" baseline="0" dirty="0">
                 <a:ln>
                   <a:noFill/>
                 </a:ln>
@@ -26856,15 +27110,33 @@
                                   </p:childTnLst>
                                 </p:cTn>
                               </p:par>
+                            </p:childTnLst>
+                          </p:cTn>
+                        </p:par>
+                      </p:childTnLst>
+                    </p:cTn>
+                  </p:par>
+                  <p:par>
+                    <p:cTn id="21" fill="hold">
+                      <p:stCondLst>
+                        <p:cond delay="indefinite"/>
+                      </p:stCondLst>
+                      <p:childTnLst>
+                        <p:par>
+                          <p:cTn id="22" fill="hold">
+                            <p:stCondLst>
+                              <p:cond delay="0"/>
+                            </p:stCondLst>
+                            <p:childTnLst>
                               <p:par>
-                                <p:cTn id="21" presetID="1" presetClass="entr" presetSubtype="0" fill="hold" nodeType="withEffect">
+                                <p:cTn id="23" presetID="1" presetClass="entr" presetSubtype="0" fill="hold" nodeType="clickEffect">
                                   <p:stCondLst>
                                     <p:cond delay="0"/>
                                   </p:stCondLst>
                                   <p:childTnLst>
                                     <p:set>
                                       <p:cBhvr>
-                                        <p:cTn id="22" dur="1" fill="hold">
+                                        <p:cTn id="24" dur="1" fill="hold">
                                           <p:stCondLst>
                                             <p:cond delay="0"/>
                                           </p:stCondLst>
@@ -26888,14 +27160,14 @@
                                 </p:cTn>
                               </p:par>
                               <p:par>
-                                <p:cTn id="23" presetID="1" presetClass="entr" presetSubtype="0" fill="hold" nodeType="withEffect">
+                                <p:cTn id="25" presetID="1" presetClass="entr" presetSubtype="0" fill="hold" nodeType="withEffect">
                                   <p:stCondLst>
                                     <p:cond delay="0"/>
                                   </p:stCondLst>
                                   <p:childTnLst>
                                     <p:set>
                                       <p:cBhvr>
-                                        <p:cTn id="24" dur="1" fill="hold">
+                                        <p:cTn id="26" dur="1" fill="hold">
                                           <p:stCondLst>
                                             <p:cond delay="0"/>
                                           </p:stCondLst>
@@ -26918,26 +27190,8 @@
                                   </p:childTnLst>
                                 </p:cTn>
                               </p:par>
-                            </p:childTnLst>
-                          </p:cTn>
-                        </p:par>
-                      </p:childTnLst>
-                    </p:cTn>
-                  </p:par>
-                  <p:par>
-                    <p:cTn id="25" fill="hold">
-                      <p:stCondLst>
-                        <p:cond delay="indefinite"/>
-                      </p:stCondLst>
-                      <p:childTnLst>
-                        <p:par>
-                          <p:cTn id="26" fill="hold">
-                            <p:stCondLst>
-                              <p:cond delay="0"/>
-                            </p:stCondLst>
-                            <p:childTnLst>
                               <p:par>
-                                <p:cTn id="27" presetID="1" presetClass="entr" presetSubtype="0" fill="hold" nodeType="clickEffect">
+                                <p:cTn id="27" presetID="1" presetClass="entr" presetSubtype="0" fill="hold" nodeType="withEffect">
                                   <p:stCondLst>
                                     <p:cond delay="0"/>
                                   </p:stCondLst>
@@ -27029,33 +27283,15 @@
                                   </p:childTnLst>
                                 </p:cTn>
                               </p:par>
-                            </p:childTnLst>
-                          </p:cTn>
-                        </p:par>
-                      </p:childTnLst>
-                    </p:cTn>
-                  </p:par>
-                  <p:par>
-                    <p:cTn id="33" fill="hold">
-                      <p:stCondLst>
-                        <p:cond delay="indefinite"/>
-                      </p:stCondLst>
-                      <p:childTnLst>
-                        <p:par>
-                          <p:cTn id="34" fill="hold">
-                            <p:stCondLst>
-                              <p:cond delay="0"/>
-                            </p:stCondLst>
-                            <p:childTnLst>
                               <p:par>
-                                <p:cTn id="35" presetID="1" presetClass="entr" presetSubtype="0" fill="hold" nodeType="clickEffect">
+                                <p:cTn id="33" presetID="1" presetClass="entr" presetSubtype="0" fill="hold" nodeType="withEffect">
                                   <p:stCondLst>
                                     <p:cond delay="0"/>
                                   </p:stCondLst>
                                   <p:childTnLst>
                                     <p:set>
                                       <p:cBhvr>
-                                        <p:cTn id="36" dur="1" fill="hold">
+                                        <p:cTn id="34" dur="1" fill="hold">
                                           <p:stCondLst>
                                             <p:cond delay="0"/>
                                           </p:stCondLst>
@@ -27085,26 +27321,26 @@
                     </p:cTn>
                   </p:par>
                   <p:par>
-                    <p:cTn id="37" fill="hold">
+                    <p:cTn id="35" fill="hold">
                       <p:stCondLst>
                         <p:cond delay="indefinite"/>
                       </p:stCondLst>
                       <p:childTnLst>
                         <p:par>
-                          <p:cTn id="38" fill="hold">
+                          <p:cTn id="36" fill="hold">
                             <p:stCondLst>
                               <p:cond delay="0"/>
                             </p:stCondLst>
                             <p:childTnLst>
                               <p:par>
-                                <p:cTn id="39" presetID="1" presetClass="entr" presetSubtype="0" fill="hold" nodeType="clickEffect">
+                                <p:cTn id="37" presetID="1" presetClass="entr" presetSubtype="0" fill="hold" nodeType="clickEffect">
                                   <p:stCondLst>
                                     <p:cond delay="0"/>
                                   </p:stCondLst>
                                   <p:childTnLst>
                                     <p:set>
                                       <p:cBhvr>
-                                        <p:cTn id="40" dur="1" fill="hold">
+                                        <p:cTn id="38" dur="1" fill="hold">
                                           <p:stCondLst>
                                             <p:cond delay="0"/>
                                           </p:stCondLst>
@@ -27127,33 +27363,15 @@
                                   </p:childTnLst>
                                 </p:cTn>
                               </p:par>
-                            </p:childTnLst>
-                          </p:cTn>
-                        </p:par>
-                      </p:childTnLst>
-                    </p:cTn>
-                  </p:par>
-                  <p:par>
-                    <p:cTn id="41" fill="hold">
-                      <p:stCondLst>
-                        <p:cond delay="indefinite"/>
-                      </p:stCondLst>
-                      <p:childTnLst>
-                        <p:par>
-                          <p:cTn id="42" fill="hold">
-                            <p:stCondLst>
-                              <p:cond delay="0"/>
-                            </p:stCondLst>
-                            <p:childTnLst>
                               <p:par>
-                                <p:cTn id="43" presetID="1" presetClass="entr" presetSubtype="0" fill="hold" nodeType="clickEffect">
+                                <p:cTn id="39" presetID="1" presetClass="entr" presetSubtype="0" fill="hold" nodeType="withEffect">
                                   <p:stCondLst>
                                     <p:cond delay="0"/>
                                   </p:stCondLst>
                                   <p:childTnLst>
                                     <p:set>
                                       <p:cBhvr>
-                                        <p:cTn id="44" dur="1" fill="hold">
+                                        <p:cTn id="40" dur="1" fill="hold">
                                           <p:stCondLst>
                                             <p:cond delay="0"/>
                                           </p:stCondLst>
@@ -27177,14 +27395,14 @@
                                 </p:cTn>
                               </p:par>
                               <p:par>
-                                <p:cTn id="45" presetID="1" presetClass="entr" presetSubtype="0" fill="hold" nodeType="withEffect">
+                                <p:cTn id="41" presetID="1" presetClass="entr" presetSubtype="0" fill="hold" nodeType="withEffect">
                                   <p:stCondLst>
                                     <p:cond delay="0"/>
                                   </p:stCondLst>
                                   <p:childTnLst>
                                     <p:set>
                                       <p:cBhvr>
-                                        <p:cTn id="46" dur="1" fill="hold">
+                                        <p:cTn id="42" dur="1" fill="hold">
                                           <p:stCondLst>
                                             <p:cond delay="0"/>
                                           </p:stCondLst>
@@ -27207,15 +27425,33 @@
                                   </p:childTnLst>
                                 </p:cTn>
                               </p:par>
+                            </p:childTnLst>
+                          </p:cTn>
+                        </p:par>
+                      </p:childTnLst>
+                    </p:cTn>
+                  </p:par>
+                  <p:par>
+                    <p:cTn id="43" fill="hold">
+                      <p:stCondLst>
+                        <p:cond delay="indefinite"/>
+                      </p:stCondLst>
+                      <p:childTnLst>
+                        <p:par>
+                          <p:cTn id="44" fill="hold">
+                            <p:stCondLst>
+                              <p:cond delay="0"/>
+                            </p:stCondLst>
+                            <p:childTnLst>
                               <p:par>
-                                <p:cTn id="47" presetID="1" presetClass="entr" presetSubtype="0" fill="hold" nodeType="withEffect">
+                                <p:cTn id="45" presetID="1" presetClass="entr" presetSubtype="0" fill="hold" nodeType="clickEffect">
                                   <p:stCondLst>
                                     <p:cond delay="0"/>
                                   </p:stCondLst>
                                   <p:childTnLst>
                                     <p:set>
                                       <p:cBhvr>
-                                        <p:cTn id="48" dur="1" fill="hold">
+                                        <p:cTn id="46" dur="1" fill="hold">
                                           <p:stCondLst>
                                             <p:cond delay="0"/>
                                           </p:stCondLst>
@@ -27238,8 +27474,26 @@
                                   </p:childTnLst>
                                 </p:cTn>
                               </p:par>
+                            </p:childTnLst>
+                          </p:cTn>
+                        </p:par>
+                      </p:childTnLst>
+                    </p:cTn>
+                  </p:par>
+                  <p:par>
+                    <p:cTn id="47" fill="hold">
+                      <p:stCondLst>
+                        <p:cond delay="indefinite"/>
+                      </p:stCondLst>
+                      <p:childTnLst>
+                        <p:par>
+                          <p:cTn id="48" fill="hold">
+                            <p:stCondLst>
+                              <p:cond delay="0"/>
+                            </p:stCondLst>
+                            <p:childTnLst>
                               <p:par>
-                                <p:cTn id="49" presetID="1" presetClass="entr" presetSubtype="0" fill="hold" nodeType="withEffect">
+                                <p:cTn id="49" presetID="1" presetClass="entr" presetSubtype="0" fill="hold" nodeType="clickEffect">
                                   <p:stCondLst>
                                     <p:cond delay="0"/>
                                   </p:stCondLst>
@@ -27269,15 +27523,33 @@
                                   </p:childTnLst>
                                 </p:cTn>
                               </p:par>
+                            </p:childTnLst>
+                          </p:cTn>
+                        </p:par>
+                      </p:childTnLst>
+                    </p:cTn>
+                  </p:par>
+                  <p:par>
+                    <p:cTn id="51" fill="hold">
+                      <p:stCondLst>
+                        <p:cond delay="indefinite"/>
+                      </p:stCondLst>
+                      <p:childTnLst>
+                        <p:par>
+                          <p:cTn id="52" fill="hold">
+                            <p:stCondLst>
+                              <p:cond delay="0"/>
+                            </p:stCondLst>
+                            <p:childTnLst>
                               <p:par>
-                                <p:cTn id="51" presetID="1" presetClass="entr" presetSubtype="0" fill="hold" nodeType="withEffect">
+                                <p:cTn id="53" presetID="1" presetClass="entr" presetSubtype="0" fill="hold" nodeType="clickEffect">
                                   <p:stCondLst>
                                     <p:cond delay="0"/>
                                   </p:stCondLst>
                                   <p:childTnLst>
                                     <p:set>
                                       <p:cBhvr>
-                                        <p:cTn id="52" dur="1" fill="hold">
+                                        <p:cTn id="54" dur="1" fill="hold">
                                           <p:stCondLst>
                                             <p:cond delay="0"/>
                                           </p:stCondLst>
@@ -27286,6 +27558,130 @@
                                           <p:spTgt spid="4">
                                             <p:txEl>
                                               <p:pRg st="16" end="16"/>
+                                            </p:txEl>
+                                          </p:spTgt>
+                                        </p:tgtEl>
+                                        <p:attrNameLst>
+                                          <p:attrName>style.visibility</p:attrName>
+                                        </p:attrNameLst>
+                                      </p:cBhvr>
+                                      <p:to>
+                                        <p:strVal val="visible"/>
+                                      </p:to>
+                                    </p:set>
+                                  </p:childTnLst>
+                                </p:cTn>
+                              </p:par>
+                              <p:par>
+                                <p:cTn id="55" presetID="1" presetClass="entr" presetSubtype="0" fill="hold" nodeType="withEffect">
+                                  <p:stCondLst>
+                                    <p:cond delay="0"/>
+                                  </p:stCondLst>
+                                  <p:childTnLst>
+                                    <p:set>
+                                      <p:cBhvr>
+                                        <p:cTn id="56" dur="1" fill="hold">
+                                          <p:stCondLst>
+                                            <p:cond delay="0"/>
+                                          </p:stCondLst>
+                                        </p:cTn>
+                                        <p:tgtEl>
+                                          <p:spTgt spid="4">
+                                            <p:txEl>
+                                              <p:pRg st="17" end="17"/>
+                                            </p:txEl>
+                                          </p:spTgt>
+                                        </p:tgtEl>
+                                        <p:attrNameLst>
+                                          <p:attrName>style.visibility</p:attrName>
+                                        </p:attrNameLst>
+                                      </p:cBhvr>
+                                      <p:to>
+                                        <p:strVal val="visible"/>
+                                      </p:to>
+                                    </p:set>
+                                  </p:childTnLst>
+                                </p:cTn>
+                              </p:par>
+                              <p:par>
+                                <p:cTn id="57" presetID="1" presetClass="entr" presetSubtype="0" fill="hold" nodeType="withEffect">
+                                  <p:stCondLst>
+                                    <p:cond delay="0"/>
+                                  </p:stCondLst>
+                                  <p:childTnLst>
+                                    <p:set>
+                                      <p:cBhvr>
+                                        <p:cTn id="58" dur="1" fill="hold">
+                                          <p:stCondLst>
+                                            <p:cond delay="0"/>
+                                          </p:stCondLst>
+                                        </p:cTn>
+                                        <p:tgtEl>
+                                          <p:spTgt spid="4">
+                                            <p:txEl>
+                                              <p:pRg st="18" end="18"/>
+                                            </p:txEl>
+                                          </p:spTgt>
+                                        </p:tgtEl>
+                                        <p:attrNameLst>
+                                          <p:attrName>style.visibility</p:attrName>
+                                        </p:attrNameLst>
+                                      </p:cBhvr>
+                                      <p:to>
+                                        <p:strVal val="visible"/>
+                                      </p:to>
+                                    </p:set>
+                                  </p:childTnLst>
+                                </p:cTn>
+                              </p:par>
+                              <p:par>
+                                <p:cTn id="59" presetID="1" presetClass="entr" presetSubtype="0" fill="hold" nodeType="withEffect">
+                                  <p:stCondLst>
+                                    <p:cond delay="0"/>
+                                  </p:stCondLst>
+                                  <p:childTnLst>
+                                    <p:set>
+                                      <p:cBhvr>
+                                        <p:cTn id="60" dur="1" fill="hold">
+                                          <p:stCondLst>
+                                            <p:cond delay="0"/>
+                                          </p:stCondLst>
+                                        </p:cTn>
+                                        <p:tgtEl>
+                                          <p:spTgt spid="4">
+                                            <p:txEl>
+                                              <p:pRg st="19" end="19"/>
+                                            </p:txEl>
+                                          </p:spTgt>
+                                        </p:tgtEl>
+                                        <p:attrNameLst>
+                                          <p:attrName>style.visibility</p:attrName>
+                                        </p:attrNameLst>
+                                      </p:cBhvr>
+                                      <p:to>
+                                        <p:strVal val="visible"/>
+                                      </p:to>
+                                    </p:set>
+                                  </p:childTnLst>
+                                </p:cTn>
+                              </p:par>
+                              <p:par>
+                                <p:cTn id="61" presetID="1" presetClass="entr" presetSubtype="0" fill="hold" nodeType="withEffect">
+                                  <p:stCondLst>
+                                    <p:cond delay="0"/>
+                                  </p:stCondLst>
+                                  <p:childTnLst>
+                                    <p:set>
+                                      <p:cBhvr>
+                                        <p:cTn id="62" dur="1" fill="hold">
+                                          <p:stCondLst>
+                                            <p:cond delay="0"/>
+                                          </p:stCondLst>
+                                        </p:cTn>
+                                        <p:tgtEl>
+                                          <p:spTgt spid="4">
+                                            <p:txEl>
+                                              <p:pRg st="20" end="20"/>
                                             </p:txEl>
                                           </p:spTgt>
                                         </p:tgtEl>
@@ -35627,7 +36023,7 @@
         <p:spPr>
           <a:xfrm>
             <a:off x="1524000" y="0"/>
-            <a:ext cx="9144000" cy="7201972"/>
+            <a:ext cx="9144000" cy="7540526"/>
           </a:xfrm>
           <a:prstGeom prst="rect">
             <a:avLst/>
@@ -35706,21 +36102,16 @@
                 <a:latin typeface="Times New Roman" pitchFamily="18" charset="0"/>
                 <a:cs typeface="Times New Roman" pitchFamily="18" charset="0"/>
               </a:rPr>
-              <a:t>   	 </a:t>
-            </a:r>
-            <a:r>
-              <a:rPr lang="en-US" sz="2200" dirty="0" err="1">
-                <a:latin typeface="Times New Roman" pitchFamily="18" charset="0"/>
-                <a:cs typeface="Times New Roman" pitchFamily="18" charset="0"/>
-              </a:rPr>
-              <a:t>int</a:t>
-            </a:r>
+              <a:t>   	 int id;      </a:t>
+            </a:r>
+          </a:p>
+          <a:p>
             <a:r>
               <a:rPr lang="en-US" sz="2200" dirty="0">
                 <a:latin typeface="Times New Roman" pitchFamily="18" charset="0"/>
                 <a:cs typeface="Times New Roman" pitchFamily="18" charset="0"/>
               </a:rPr>
-              <a:t> id;      String name;  </a:t>
+              <a:t>	String name;  </a:t>
             </a:r>
           </a:p>
           <a:p>

--- a/java/sem 3/mod 2/Module 2 Class, objects and methods.pptx
+++ b/java/sem 3/mod 2/Module 2 Class, objects and methods.pptx
@@ -230,7 +230,7 @@
   <pc:docChgLst>
     <pc:chgData name="Peram praveen kumar reddy" userId="ccb74b16d9ee0880" providerId="LiveId" clId="{8E9FBEDC-ECC3-4C16-934B-6FFB62C0422B}"/>
     <pc:docChg chg="modSld">
-      <pc:chgData name="Peram praveen kumar reddy" userId="ccb74b16d9ee0880" providerId="LiveId" clId="{8E9FBEDC-ECC3-4C16-934B-6FFB62C0422B}" dt="2022-12-11T14:44:25.238" v="72" actId="20577"/>
+      <pc:chgData name="Peram praveen kumar reddy" userId="ccb74b16d9ee0880" providerId="LiveId" clId="{8E9FBEDC-ECC3-4C16-934B-6FFB62C0422B}" dt="2022-12-24T10:18:40.816" v="73" actId="13926"/>
       <pc:docMkLst>
         <pc:docMk/>
       </pc:docMkLst>
@@ -260,6 +260,21 @@
           <ac:spMkLst>
             <pc:docMk/>
             <pc:sldMk cId="3587192125" sldId="274"/>
+            <ac:spMk id="4" creationId="{00000000-0000-0000-0000-000000000000}"/>
+          </ac:spMkLst>
+        </pc:spChg>
+      </pc:sldChg>
+      <pc:sldChg chg="modSp mod">
+        <pc:chgData name="Peram praveen kumar reddy" userId="ccb74b16d9ee0880" providerId="LiveId" clId="{8E9FBEDC-ECC3-4C16-934B-6FFB62C0422B}" dt="2022-12-24T10:18:40.816" v="73" actId="13926"/>
+        <pc:sldMkLst>
+          <pc:docMk/>
+          <pc:sldMk cId="1210025888" sldId="279"/>
+        </pc:sldMkLst>
+        <pc:spChg chg="mod">
+          <ac:chgData name="Peram praveen kumar reddy" userId="ccb74b16d9ee0880" providerId="LiveId" clId="{8E9FBEDC-ECC3-4C16-934B-6FFB62C0422B}" dt="2022-12-24T10:18:40.816" v="73" actId="13926"/>
+          <ac:spMkLst>
+            <pc:docMk/>
+            <pc:sldMk cId="1210025888" sldId="279"/>
             <ac:spMk id="4" creationId="{00000000-0000-0000-0000-000000000000}"/>
           </ac:spMkLst>
         </pc:spChg>
@@ -413,7 +428,7 @@
           <a:p>
             <a:fld id="{857558B2-0A69-4645-9AF2-5232E07D05EE}" type="datetimeFigureOut">
               <a:rPr lang="en-IN" smtClean="0"/>
-              <a:t>11-12-2022</a:t>
+              <a:t>24-12-2022</a:t>
             </a:fld>
             <a:endParaRPr lang="en-IN"/>
           </a:p>
@@ -896,7 +911,7 @@
           <a:p>
             <a:fld id="{1C29BAD4-F84B-4098-9A41-64CBD40CD135}" type="datetimeFigureOut">
               <a:rPr lang="en-IN" smtClean="0"/>
-              <a:t>11-12-2022</a:t>
+              <a:t>24-12-2022</a:t>
             </a:fld>
             <a:endParaRPr lang="en-IN"/>
           </a:p>
@@ -1066,7 +1081,7 @@
           <a:p>
             <a:fld id="{1C29BAD4-F84B-4098-9A41-64CBD40CD135}" type="datetimeFigureOut">
               <a:rPr lang="en-IN" smtClean="0"/>
-              <a:t>11-12-2022</a:t>
+              <a:t>24-12-2022</a:t>
             </a:fld>
             <a:endParaRPr lang="en-IN"/>
           </a:p>
@@ -1246,7 +1261,7 @@
           <a:p>
             <a:fld id="{1C29BAD4-F84B-4098-9A41-64CBD40CD135}" type="datetimeFigureOut">
               <a:rPr lang="en-IN" smtClean="0"/>
-              <a:t>11-12-2022</a:t>
+              <a:t>24-12-2022</a:t>
             </a:fld>
             <a:endParaRPr lang="en-IN"/>
           </a:p>
@@ -1416,7 +1431,7 @@
           <a:p>
             <a:fld id="{1C29BAD4-F84B-4098-9A41-64CBD40CD135}" type="datetimeFigureOut">
               <a:rPr lang="en-IN" smtClean="0"/>
-              <a:t>11-12-2022</a:t>
+              <a:t>24-12-2022</a:t>
             </a:fld>
             <a:endParaRPr lang="en-IN"/>
           </a:p>
@@ -1662,7 +1677,7 @@
           <a:p>
             <a:fld id="{1C29BAD4-F84B-4098-9A41-64CBD40CD135}" type="datetimeFigureOut">
               <a:rPr lang="en-IN" smtClean="0"/>
-              <a:t>11-12-2022</a:t>
+              <a:t>24-12-2022</a:t>
             </a:fld>
             <a:endParaRPr lang="en-IN"/>
           </a:p>
@@ -1894,7 +1909,7 @@
           <a:p>
             <a:fld id="{1C29BAD4-F84B-4098-9A41-64CBD40CD135}" type="datetimeFigureOut">
               <a:rPr lang="en-IN" smtClean="0"/>
-              <a:t>11-12-2022</a:t>
+              <a:t>24-12-2022</a:t>
             </a:fld>
             <a:endParaRPr lang="en-IN"/>
           </a:p>
@@ -2261,7 +2276,7 @@
           <a:p>
             <a:fld id="{1C29BAD4-F84B-4098-9A41-64CBD40CD135}" type="datetimeFigureOut">
               <a:rPr lang="en-IN" smtClean="0"/>
-              <a:t>11-12-2022</a:t>
+              <a:t>24-12-2022</a:t>
             </a:fld>
             <a:endParaRPr lang="en-IN"/>
           </a:p>
@@ -2379,7 +2394,7 @@
           <a:p>
             <a:fld id="{1C29BAD4-F84B-4098-9A41-64CBD40CD135}" type="datetimeFigureOut">
               <a:rPr lang="en-IN" smtClean="0"/>
-              <a:t>11-12-2022</a:t>
+              <a:t>24-12-2022</a:t>
             </a:fld>
             <a:endParaRPr lang="en-IN"/>
           </a:p>
@@ -2474,7 +2489,7 @@
           <a:p>
             <a:fld id="{1C29BAD4-F84B-4098-9A41-64CBD40CD135}" type="datetimeFigureOut">
               <a:rPr lang="en-IN" smtClean="0"/>
-              <a:t>11-12-2022</a:t>
+              <a:t>24-12-2022</a:t>
             </a:fld>
             <a:endParaRPr lang="en-IN"/>
           </a:p>
@@ -2751,7 +2766,7 @@
           <a:p>
             <a:fld id="{1C29BAD4-F84B-4098-9A41-64CBD40CD135}" type="datetimeFigureOut">
               <a:rPr lang="en-IN" smtClean="0"/>
-              <a:t>11-12-2022</a:t>
+              <a:t>24-12-2022</a:t>
             </a:fld>
             <a:endParaRPr lang="en-IN"/>
           </a:p>
@@ -3004,7 +3019,7 @@
           <a:p>
             <a:fld id="{1C29BAD4-F84B-4098-9A41-64CBD40CD135}" type="datetimeFigureOut">
               <a:rPr lang="en-IN" smtClean="0"/>
-              <a:t>11-12-2022</a:t>
+              <a:t>24-12-2022</a:t>
             </a:fld>
             <a:endParaRPr lang="en-IN"/>
           </a:p>
@@ -3217,7 +3232,7 @@
           <a:p>
             <a:fld id="{1C29BAD4-F84B-4098-9A41-64CBD40CD135}" type="datetimeFigureOut">
               <a:rPr lang="en-IN" smtClean="0"/>
-              <a:t>11-12-2022</a:t>
+              <a:t>24-12-2022</a:t>
             </a:fld>
             <a:endParaRPr lang="en-IN"/>
           </a:p>
@@ -14856,7 +14871,17 @@
                 <a:latin typeface="Times New Roman" pitchFamily="18" charset="0"/>
                 <a:cs typeface="Times New Roman" pitchFamily="18" charset="0"/>
               </a:rPr>
-              <a:t> result=obj.sum(20,20); //Compile Time Error  </a:t>
+              <a:t> result=obj.sum(20,20); </a:t>
+            </a:r>
+            <a:r>
+              <a:rPr lang="en-US" sz="2000" dirty="0">
+                <a:highlight>
+                  <a:srgbClr val="FFFF00"/>
+                </a:highlight>
+                <a:latin typeface="Times New Roman" pitchFamily="18" charset="0"/>
+                <a:cs typeface="Times New Roman" pitchFamily="18" charset="0"/>
+              </a:rPr>
+              <a:t>//Compile Time Error  </a:t>
             </a:r>
           </a:p>
           <a:p>
